--- a/CRAZY RABBIT.pptx
+++ b/CRAZY RABBIT.pptx
@@ -7,9 +7,9 @@
   <p:sldIdLst>
     <p:sldId id="256" r:id="rId2"/>
     <p:sldId id="257" r:id="rId3"/>
-    <p:sldId id="259" r:id="rId4"/>
-    <p:sldId id="258" r:id="rId5"/>
-    <p:sldId id="260" r:id="rId6"/>
+    <p:sldId id="258" r:id="rId4"/>
+    <p:sldId id="259" r:id="rId5"/>
+    <p:sldId id="261" r:id="rId6"/>
   </p:sldIdLst>
   <p:sldSz cx="12192000" cy="6858000"/>
   <p:notesSz cx="6858000" cy="9144000"/>
@@ -694,7 +694,7 @@
           </a:lstStyle>
           <a:p>
             <a:r>
-              <a:rPr lang="ru-RU" smtClean="0"/>
+              <a:rPr lang="ru-RU"/>
               <a:t>Образец заголовка</a:t>
             </a:r>
             <a:endParaRPr lang="en-US" dirty="0"/>
@@ -814,7 +814,7 @@
           </a:lstStyle>
           <a:p>
             <a:r>
-              <a:rPr lang="ru-RU" smtClean="0"/>
+              <a:rPr lang="ru-RU"/>
               <a:t>Образец подзаголовка</a:t>
             </a:r>
             <a:endParaRPr lang="en-US" dirty="0"/>
@@ -838,7 +838,7 @@
           <a:p>
             <a:fld id="{BFB7CA02-AF0F-4C7C-B1C7-21AF16077814}" type="datetimeFigureOut">
               <a:rPr lang="ru-RU" smtClean="0"/>
-              <a:t>12.02.2021</a:t>
+              <a:t>09.03.2021</a:t>
             </a:fld>
             <a:endParaRPr lang="ru-RU"/>
           </a:p>
@@ -943,7 +943,7 @@
           </a:lstStyle>
           <a:p>
             <a:r>
-              <a:rPr lang="ru-RU" smtClean="0"/>
+              <a:rPr lang="ru-RU"/>
               <a:t>Образец заголовка</a:t>
             </a:r>
             <a:endParaRPr lang="en-US" dirty="0"/>
@@ -1066,7 +1066,7 @@
           <a:p>
             <a:pPr lvl="0"/>
             <a:r>
-              <a:rPr lang="ru-RU" smtClean="0"/>
+              <a:rPr lang="ru-RU"/>
               <a:t>Образец текста</a:t>
             </a:r>
           </a:p>
@@ -1089,7 +1089,7 @@
           <a:p>
             <a:fld id="{BFB7CA02-AF0F-4C7C-B1C7-21AF16077814}" type="datetimeFigureOut">
               <a:rPr lang="ru-RU" smtClean="0"/>
-              <a:t>12.02.2021</a:t>
+              <a:t>09.03.2021</a:t>
             </a:fld>
             <a:endParaRPr lang="ru-RU"/>
           </a:p>
@@ -1194,7 +1194,7 @@
           </a:lstStyle>
           <a:p>
             <a:r>
-              <a:rPr lang="ru-RU" smtClean="0"/>
+              <a:rPr lang="ru-RU"/>
               <a:t>Образец заголовка</a:t>
             </a:r>
             <a:endParaRPr lang="en-US" dirty="0"/>
@@ -1258,7 +1258,7 @@
           <a:p>
             <a:pPr lvl="0"/>
             <a:r>
-              <a:rPr lang="ru-RU" smtClean="0"/>
+              <a:rPr lang="ru-RU"/>
               <a:t>Образец текста</a:t>
             </a:r>
           </a:p>
@@ -1380,7 +1380,7 @@
           <a:p>
             <a:pPr lvl="0"/>
             <a:r>
-              <a:rPr lang="ru-RU" smtClean="0"/>
+              <a:rPr lang="ru-RU"/>
               <a:t>Образец текста</a:t>
             </a:r>
           </a:p>
@@ -1403,7 +1403,7 @@
           <a:p>
             <a:fld id="{BFB7CA02-AF0F-4C7C-B1C7-21AF16077814}" type="datetimeFigureOut">
               <a:rPr lang="ru-RU" smtClean="0"/>
-              <a:t>12.02.2021</a:t>
+              <a:t>09.03.2021</a:t>
             </a:fld>
             <a:endParaRPr lang="ru-RU"/>
           </a:p>
@@ -1598,7 +1598,7 @@
           </a:lstStyle>
           <a:p>
             <a:r>
-              <a:rPr lang="ru-RU" smtClean="0"/>
+              <a:rPr lang="ru-RU"/>
               <a:t>Образец заголовка</a:t>
             </a:r>
             <a:endParaRPr lang="en-US" dirty="0"/>
@@ -1721,7 +1721,7 @@
           <a:p>
             <a:pPr lvl="0"/>
             <a:r>
-              <a:rPr lang="ru-RU" smtClean="0"/>
+              <a:rPr lang="ru-RU"/>
               <a:t>Образец текста</a:t>
             </a:r>
           </a:p>
@@ -1744,7 +1744,7 @@
           <a:p>
             <a:fld id="{BFB7CA02-AF0F-4C7C-B1C7-21AF16077814}" type="datetimeFigureOut">
               <a:rPr lang="ru-RU" smtClean="0"/>
-              <a:t>12.02.2021</a:t>
+              <a:t>09.03.2021</a:t>
             </a:fld>
             <a:endParaRPr lang="ru-RU"/>
           </a:p>
@@ -1849,7 +1849,7 @@
           </a:lstStyle>
           <a:p>
             <a:r>
-              <a:rPr lang="ru-RU" smtClean="0"/>
+              <a:rPr lang="ru-RU"/>
               <a:t>Образец заголовка</a:t>
             </a:r>
             <a:endParaRPr lang="en-US" dirty="0"/>
@@ -1913,7 +1913,7 @@
           <a:p>
             <a:pPr lvl="0"/>
             <a:r>
-              <a:rPr lang="ru-RU" smtClean="0"/>
+              <a:rPr lang="ru-RU"/>
               <a:t>Образец текста</a:t>
             </a:r>
           </a:p>
@@ -2035,7 +2035,7 @@
           <a:p>
             <a:pPr lvl="0"/>
             <a:r>
-              <a:rPr lang="ru-RU" smtClean="0"/>
+              <a:rPr lang="ru-RU"/>
               <a:t>Образец текста</a:t>
             </a:r>
           </a:p>
@@ -2058,7 +2058,7 @@
           <a:p>
             <a:fld id="{BFB7CA02-AF0F-4C7C-B1C7-21AF16077814}" type="datetimeFigureOut">
               <a:rPr lang="ru-RU" smtClean="0"/>
-              <a:t>12.02.2021</a:t>
+              <a:t>09.03.2021</a:t>
             </a:fld>
             <a:endParaRPr lang="ru-RU"/>
           </a:p>
@@ -2245,7 +2245,7 @@
           </a:lstStyle>
           <a:p>
             <a:r>
-              <a:rPr lang="ru-RU" smtClean="0"/>
+              <a:rPr lang="ru-RU"/>
               <a:t>Образец заголовка</a:t>
             </a:r>
             <a:endParaRPr lang="en-US" dirty="0"/>
@@ -2306,7 +2306,7 @@
           <a:p>
             <a:pPr lvl="0"/>
             <a:r>
-              <a:rPr lang="ru-RU" smtClean="0"/>
+              <a:rPr lang="ru-RU"/>
               <a:t>Образец текста</a:t>
             </a:r>
           </a:p>
@@ -2428,7 +2428,7 @@
           <a:p>
             <a:pPr lvl="0"/>
             <a:r>
-              <a:rPr lang="ru-RU" smtClean="0"/>
+              <a:rPr lang="ru-RU"/>
               <a:t>Образец текста</a:t>
             </a:r>
           </a:p>
@@ -2451,7 +2451,7 @@
           <a:p>
             <a:fld id="{BFB7CA02-AF0F-4C7C-B1C7-21AF16077814}" type="datetimeFigureOut">
               <a:rPr lang="ru-RU" smtClean="0"/>
-              <a:t>12.02.2021</a:t>
+              <a:t>09.03.2021</a:t>
             </a:fld>
             <a:endParaRPr lang="ru-RU"/>
           </a:p>
@@ -2545,7 +2545,7 @@
           <a:lstStyle/>
           <a:p>
             <a:r>
-              <a:rPr lang="ru-RU" smtClean="0"/>
+              <a:rPr lang="ru-RU"/>
               <a:t>Образец заголовка</a:t>
             </a:r>
             <a:endParaRPr lang="en-US" dirty="0"/>
@@ -2569,35 +2569,35 @@
           <a:p>
             <a:pPr lvl="0"/>
             <a:r>
-              <a:rPr lang="ru-RU" smtClean="0"/>
+              <a:rPr lang="ru-RU"/>
               <a:t>Образец текста</a:t>
             </a:r>
           </a:p>
           <a:p>
             <a:pPr lvl="1"/>
             <a:r>
-              <a:rPr lang="ru-RU" smtClean="0"/>
+              <a:rPr lang="ru-RU"/>
               <a:t>Второй уровень</a:t>
             </a:r>
           </a:p>
           <a:p>
             <a:pPr lvl="2"/>
             <a:r>
-              <a:rPr lang="ru-RU" smtClean="0"/>
+              <a:rPr lang="ru-RU"/>
               <a:t>Третий уровень</a:t>
             </a:r>
           </a:p>
           <a:p>
             <a:pPr lvl="3"/>
             <a:r>
-              <a:rPr lang="ru-RU" smtClean="0"/>
+              <a:rPr lang="ru-RU"/>
               <a:t>Четвертый уровень</a:t>
             </a:r>
           </a:p>
           <a:p>
             <a:pPr lvl="4"/>
             <a:r>
-              <a:rPr lang="ru-RU" smtClean="0"/>
+              <a:rPr lang="ru-RU"/>
               <a:t>Пятый уровень</a:t>
             </a:r>
             <a:endParaRPr lang="en-US" dirty="0"/>
@@ -2621,7 +2621,7 @@
           <a:p>
             <a:fld id="{BFB7CA02-AF0F-4C7C-B1C7-21AF16077814}" type="datetimeFigureOut">
               <a:rPr lang="ru-RU" smtClean="0"/>
-              <a:t>12.02.2021</a:t>
+              <a:t>09.03.2021</a:t>
             </a:fld>
             <a:endParaRPr lang="ru-RU"/>
           </a:p>
@@ -2720,7 +2720,7 @@
           <a:lstStyle/>
           <a:p>
             <a:r>
-              <a:rPr lang="ru-RU" smtClean="0"/>
+              <a:rPr lang="ru-RU"/>
               <a:t>Образец заголовка</a:t>
             </a:r>
             <a:endParaRPr lang="en-US" dirty="0"/>
@@ -2749,35 +2749,35 @@
           <a:p>
             <a:pPr lvl="0"/>
             <a:r>
-              <a:rPr lang="ru-RU" smtClean="0"/>
+              <a:rPr lang="ru-RU"/>
               <a:t>Образец текста</a:t>
             </a:r>
           </a:p>
           <a:p>
             <a:pPr lvl="1"/>
             <a:r>
-              <a:rPr lang="ru-RU" smtClean="0"/>
+              <a:rPr lang="ru-RU"/>
               <a:t>Второй уровень</a:t>
             </a:r>
           </a:p>
           <a:p>
             <a:pPr lvl="2"/>
             <a:r>
-              <a:rPr lang="ru-RU" smtClean="0"/>
+              <a:rPr lang="ru-RU"/>
               <a:t>Третий уровень</a:t>
             </a:r>
           </a:p>
           <a:p>
             <a:pPr lvl="3"/>
             <a:r>
-              <a:rPr lang="ru-RU" smtClean="0"/>
+              <a:rPr lang="ru-RU"/>
               <a:t>Четвертый уровень</a:t>
             </a:r>
           </a:p>
           <a:p>
             <a:pPr lvl="4"/>
             <a:r>
-              <a:rPr lang="ru-RU" smtClean="0"/>
+              <a:rPr lang="ru-RU"/>
               <a:t>Пятый уровень</a:t>
             </a:r>
             <a:endParaRPr lang="en-US" dirty="0"/>
@@ -2801,7 +2801,7 @@
           <a:p>
             <a:fld id="{BFB7CA02-AF0F-4C7C-B1C7-21AF16077814}" type="datetimeFigureOut">
               <a:rPr lang="ru-RU" smtClean="0"/>
-              <a:t>12.02.2021</a:t>
+              <a:t>09.03.2021</a:t>
             </a:fld>
             <a:endParaRPr lang="ru-RU"/>
           </a:p>
@@ -2901,7 +2901,7 @@
           </a:lstStyle>
           <a:p>
             <a:r>
-              <a:rPr lang="ru-RU" smtClean="0"/>
+              <a:rPr lang="ru-RU"/>
               <a:t>Образец заголовка</a:t>
             </a:r>
             <a:endParaRPr lang="en-US" dirty="0"/>
@@ -2925,35 +2925,35 @@
           <a:p>
             <a:pPr lvl="0"/>
             <a:r>
-              <a:rPr lang="ru-RU" smtClean="0"/>
+              <a:rPr lang="ru-RU"/>
               <a:t>Образец текста</a:t>
             </a:r>
           </a:p>
           <a:p>
             <a:pPr lvl="1"/>
             <a:r>
-              <a:rPr lang="ru-RU" smtClean="0"/>
+              <a:rPr lang="ru-RU"/>
               <a:t>Второй уровень</a:t>
             </a:r>
           </a:p>
           <a:p>
             <a:pPr lvl="2"/>
             <a:r>
-              <a:rPr lang="ru-RU" smtClean="0"/>
+              <a:rPr lang="ru-RU"/>
               <a:t>Третий уровень</a:t>
             </a:r>
           </a:p>
           <a:p>
             <a:pPr lvl="3"/>
             <a:r>
-              <a:rPr lang="ru-RU" smtClean="0"/>
+              <a:rPr lang="ru-RU"/>
               <a:t>Четвертый уровень</a:t>
             </a:r>
           </a:p>
           <a:p>
             <a:pPr lvl="4"/>
             <a:r>
-              <a:rPr lang="ru-RU" smtClean="0"/>
+              <a:rPr lang="ru-RU"/>
               <a:t>Пятый уровень</a:t>
             </a:r>
             <a:endParaRPr lang="en-US" dirty="0"/>
@@ -2977,7 +2977,7 @@
           <a:p>
             <a:fld id="{BFB7CA02-AF0F-4C7C-B1C7-21AF16077814}" type="datetimeFigureOut">
               <a:rPr lang="ru-RU" smtClean="0"/>
-              <a:t>12.02.2021</a:t>
+              <a:t>09.03.2021</a:t>
             </a:fld>
             <a:endParaRPr lang="ru-RU"/>
           </a:p>
@@ -3080,7 +3080,7 @@
           </a:lstStyle>
           <a:p>
             <a:r>
-              <a:rPr lang="ru-RU" smtClean="0"/>
+              <a:rPr lang="ru-RU"/>
               <a:t>Образец заголовка</a:t>
             </a:r>
             <a:endParaRPr lang="en-US" dirty="0"/>
@@ -3201,7 +3201,7 @@
           <a:p>
             <a:pPr lvl="0"/>
             <a:r>
-              <a:rPr lang="ru-RU" smtClean="0"/>
+              <a:rPr lang="ru-RU"/>
               <a:t>Образец текста</a:t>
             </a:r>
           </a:p>
@@ -3224,7 +3224,7 @@
           <a:p>
             <a:fld id="{BFB7CA02-AF0F-4C7C-B1C7-21AF16077814}" type="datetimeFigureOut">
               <a:rPr lang="ru-RU" smtClean="0"/>
-              <a:t>12.02.2021</a:t>
+              <a:t>09.03.2021</a:t>
             </a:fld>
             <a:endParaRPr lang="ru-RU"/>
           </a:p>
@@ -3318,7 +3318,7 @@
           <a:lstStyle/>
           <a:p>
             <a:r>
-              <a:rPr lang="ru-RU" smtClean="0"/>
+              <a:rPr lang="ru-RU"/>
               <a:t>Образец заголовка</a:t>
             </a:r>
             <a:endParaRPr lang="en-US" dirty="0"/>
@@ -3347,35 +3347,35 @@
           <a:p>
             <a:pPr lvl="0"/>
             <a:r>
-              <a:rPr lang="ru-RU" smtClean="0"/>
+              <a:rPr lang="ru-RU"/>
               <a:t>Образец текста</a:t>
             </a:r>
           </a:p>
           <a:p>
             <a:pPr lvl="1"/>
             <a:r>
-              <a:rPr lang="ru-RU" smtClean="0"/>
+              <a:rPr lang="ru-RU"/>
               <a:t>Второй уровень</a:t>
             </a:r>
           </a:p>
           <a:p>
             <a:pPr lvl="2"/>
             <a:r>
-              <a:rPr lang="ru-RU" smtClean="0"/>
+              <a:rPr lang="ru-RU"/>
               <a:t>Третий уровень</a:t>
             </a:r>
           </a:p>
           <a:p>
             <a:pPr lvl="3"/>
             <a:r>
-              <a:rPr lang="ru-RU" smtClean="0"/>
+              <a:rPr lang="ru-RU"/>
               <a:t>Четвертый уровень</a:t>
             </a:r>
           </a:p>
           <a:p>
             <a:pPr lvl="4"/>
             <a:r>
-              <a:rPr lang="ru-RU" smtClean="0"/>
+              <a:rPr lang="ru-RU"/>
               <a:t>Пятый уровень</a:t>
             </a:r>
             <a:endParaRPr lang="en-US" dirty="0"/>
@@ -3404,35 +3404,35 @@
           <a:p>
             <a:pPr lvl="0"/>
             <a:r>
-              <a:rPr lang="ru-RU" smtClean="0"/>
+              <a:rPr lang="ru-RU"/>
               <a:t>Образец текста</a:t>
             </a:r>
           </a:p>
           <a:p>
             <a:pPr lvl="1"/>
             <a:r>
-              <a:rPr lang="ru-RU" smtClean="0"/>
+              <a:rPr lang="ru-RU"/>
               <a:t>Второй уровень</a:t>
             </a:r>
           </a:p>
           <a:p>
             <a:pPr lvl="2"/>
             <a:r>
-              <a:rPr lang="ru-RU" smtClean="0"/>
+              <a:rPr lang="ru-RU"/>
               <a:t>Третий уровень</a:t>
             </a:r>
           </a:p>
           <a:p>
             <a:pPr lvl="3"/>
             <a:r>
-              <a:rPr lang="ru-RU" smtClean="0"/>
+              <a:rPr lang="ru-RU"/>
               <a:t>Четвертый уровень</a:t>
             </a:r>
           </a:p>
           <a:p>
             <a:pPr lvl="4"/>
             <a:r>
-              <a:rPr lang="ru-RU" smtClean="0"/>
+              <a:rPr lang="ru-RU"/>
               <a:t>Пятый уровень</a:t>
             </a:r>
             <a:endParaRPr lang="en-US" dirty="0"/>
@@ -3456,7 +3456,7 @@
           <a:p>
             <a:fld id="{BFB7CA02-AF0F-4C7C-B1C7-21AF16077814}" type="datetimeFigureOut">
               <a:rPr lang="ru-RU" smtClean="0"/>
-              <a:t>12.02.2021</a:t>
+              <a:t>09.03.2021</a:t>
             </a:fld>
             <a:endParaRPr lang="ru-RU"/>
           </a:p>
@@ -3554,7 +3554,7 @@
           </a:lstStyle>
           <a:p>
             <a:r>
-              <a:rPr lang="ru-RU" smtClean="0"/>
+              <a:rPr lang="ru-RU"/>
               <a:t>Образец заголовка</a:t>
             </a:r>
             <a:endParaRPr lang="en-US" dirty="0"/>
@@ -3622,7 +3622,7 @@
           <a:p>
             <a:pPr lvl="0"/>
             <a:r>
-              <a:rPr lang="ru-RU" smtClean="0"/>
+              <a:rPr lang="ru-RU"/>
               <a:t>Образец текста</a:t>
             </a:r>
           </a:p>
@@ -3652,35 +3652,35 @@
           <a:p>
             <a:pPr lvl="0"/>
             <a:r>
-              <a:rPr lang="ru-RU" smtClean="0"/>
+              <a:rPr lang="ru-RU"/>
               <a:t>Образец текста</a:t>
             </a:r>
           </a:p>
           <a:p>
             <a:pPr lvl="1"/>
             <a:r>
-              <a:rPr lang="ru-RU" smtClean="0"/>
+              <a:rPr lang="ru-RU"/>
               <a:t>Второй уровень</a:t>
             </a:r>
           </a:p>
           <a:p>
             <a:pPr lvl="2"/>
             <a:r>
-              <a:rPr lang="ru-RU" smtClean="0"/>
+              <a:rPr lang="ru-RU"/>
               <a:t>Третий уровень</a:t>
             </a:r>
           </a:p>
           <a:p>
             <a:pPr lvl="3"/>
             <a:r>
-              <a:rPr lang="ru-RU" smtClean="0"/>
+              <a:rPr lang="ru-RU"/>
               <a:t>Четвертый уровень</a:t>
             </a:r>
           </a:p>
           <a:p>
             <a:pPr lvl="4"/>
             <a:r>
-              <a:rPr lang="ru-RU" smtClean="0"/>
+              <a:rPr lang="ru-RU"/>
               <a:t>Пятый уровень</a:t>
             </a:r>
             <a:endParaRPr lang="en-US" dirty="0"/>
@@ -3748,7 +3748,7 @@
           <a:p>
             <a:pPr lvl="0"/>
             <a:r>
-              <a:rPr lang="ru-RU" smtClean="0"/>
+              <a:rPr lang="ru-RU"/>
               <a:t>Образец текста</a:t>
             </a:r>
           </a:p>
@@ -3778,35 +3778,35 @@
           <a:p>
             <a:pPr lvl="0"/>
             <a:r>
-              <a:rPr lang="ru-RU" smtClean="0"/>
+              <a:rPr lang="ru-RU"/>
               <a:t>Образец текста</a:t>
             </a:r>
           </a:p>
           <a:p>
             <a:pPr lvl="1"/>
             <a:r>
-              <a:rPr lang="ru-RU" smtClean="0"/>
+              <a:rPr lang="ru-RU"/>
               <a:t>Второй уровень</a:t>
             </a:r>
           </a:p>
           <a:p>
             <a:pPr lvl="2"/>
             <a:r>
-              <a:rPr lang="ru-RU" smtClean="0"/>
+              <a:rPr lang="ru-RU"/>
               <a:t>Третий уровень</a:t>
             </a:r>
           </a:p>
           <a:p>
             <a:pPr lvl="3"/>
             <a:r>
-              <a:rPr lang="ru-RU" smtClean="0"/>
+              <a:rPr lang="ru-RU"/>
               <a:t>Четвертый уровень</a:t>
             </a:r>
           </a:p>
           <a:p>
             <a:pPr lvl="4"/>
             <a:r>
-              <a:rPr lang="ru-RU" smtClean="0"/>
+              <a:rPr lang="ru-RU"/>
               <a:t>Пятый уровень</a:t>
             </a:r>
             <a:endParaRPr lang="en-US" dirty="0"/>
@@ -3830,7 +3830,7 @@
           <a:p>
             <a:fld id="{BFB7CA02-AF0F-4C7C-B1C7-21AF16077814}" type="datetimeFigureOut">
               <a:rPr lang="ru-RU" smtClean="0"/>
-              <a:t>12.02.2021</a:t>
+              <a:t>09.03.2021</a:t>
             </a:fld>
             <a:endParaRPr lang="ru-RU"/>
           </a:p>
@@ -3929,7 +3929,7 @@
           <a:lstStyle/>
           <a:p>
             <a:r>
-              <a:rPr lang="ru-RU" smtClean="0"/>
+              <a:rPr lang="ru-RU"/>
               <a:t>Образец заголовка</a:t>
             </a:r>
             <a:endParaRPr lang="en-US" dirty="0"/>
@@ -3953,7 +3953,7 @@
           <a:p>
             <a:fld id="{BFB7CA02-AF0F-4C7C-B1C7-21AF16077814}" type="datetimeFigureOut">
               <a:rPr lang="ru-RU" smtClean="0"/>
-              <a:t>12.02.2021</a:t>
+              <a:t>09.03.2021</a:t>
             </a:fld>
             <a:endParaRPr lang="ru-RU"/>
           </a:p>
@@ -4048,7 +4048,7 @@
           <a:p>
             <a:fld id="{BFB7CA02-AF0F-4C7C-B1C7-21AF16077814}" type="datetimeFigureOut">
               <a:rPr lang="ru-RU" smtClean="0"/>
-              <a:t>12.02.2021</a:t>
+              <a:t>09.03.2021</a:t>
             </a:fld>
             <a:endParaRPr lang="ru-RU"/>
           </a:p>
@@ -4153,7 +4153,7 @@
           </a:lstStyle>
           <a:p>
             <a:r>
-              <a:rPr lang="ru-RU" smtClean="0"/>
+              <a:rPr lang="ru-RU"/>
               <a:t>Образец заголовка</a:t>
             </a:r>
             <a:endParaRPr lang="en-US" dirty="0"/>
@@ -4184,35 +4184,35 @@
           <a:p>
             <a:pPr lvl="0"/>
             <a:r>
-              <a:rPr lang="ru-RU" smtClean="0"/>
+              <a:rPr lang="ru-RU"/>
               <a:t>Образец текста</a:t>
             </a:r>
           </a:p>
           <a:p>
             <a:pPr lvl="1"/>
             <a:r>
-              <a:rPr lang="ru-RU" smtClean="0"/>
+              <a:rPr lang="ru-RU"/>
               <a:t>Второй уровень</a:t>
             </a:r>
           </a:p>
           <a:p>
             <a:pPr lvl="2"/>
             <a:r>
-              <a:rPr lang="ru-RU" smtClean="0"/>
+              <a:rPr lang="ru-RU"/>
               <a:t>Третий уровень</a:t>
             </a:r>
           </a:p>
           <a:p>
             <a:pPr lvl="3"/>
             <a:r>
-              <a:rPr lang="ru-RU" smtClean="0"/>
+              <a:rPr lang="ru-RU"/>
               <a:t>Четвертый уровень</a:t>
             </a:r>
           </a:p>
           <a:p>
             <a:pPr lvl="4"/>
             <a:r>
-              <a:rPr lang="ru-RU" smtClean="0"/>
+              <a:rPr lang="ru-RU"/>
               <a:t>Пятый уровень</a:t>
             </a:r>
             <a:endParaRPr lang="en-US" dirty="0"/>
@@ -4280,7 +4280,7 @@
           <a:p>
             <a:pPr lvl="0"/>
             <a:r>
-              <a:rPr lang="ru-RU" smtClean="0"/>
+              <a:rPr lang="ru-RU"/>
               <a:t>Образец текста</a:t>
             </a:r>
           </a:p>
@@ -4303,7 +4303,7 @@
           <a:p>
             <a:fld id="{BFB7CA02-AF0F-4C7C-B1C7-21AF16077814}" type="datetimeFigureOut">
               <a:rPr lang="ru-RU" smtClean="0"/>
-              <a:t>12.02.2021</a:t>
+              <a:t>09.03.2021</a:t>
             </a:fld>
             <a:endParaRPr lang="ru-RU"/>
           </a:p>
@@ -4408,7 +4408,7 @@
           </a:lstStyle>
           <a:p>
             <a:r>
-              <a:rPr lang="ru-RU" smtClean="0"/>
+              <a:rPr lang="ru-RU"/>
               <a:t>Образец заголовка</a:t>
             </a:r>
             <a:endParaRPr lang="en-US" dirty="0"/>
@@ -4475,7 +4475,7 @@
           </a:lstStyle>
           <a:p>
             <a:r>
-              <a:rPr lang="ru-RU" smtClean="0"/>
+              <a:rPr lang="ru-RU"/>
               <a:t>Вставка рисунка</a:t>
             </a:r>
             <a:endParaRPr lang="en-US" dirty="0"/>
@@ -4543,7 +4543,7 @@
           <a:p>
             <a:pPr lvl="0"/>
             <a:r>
-              <a:rPr lang="ru-RU" smtClean="0"/>
+              <a:rPr lang="ru-RU"/>
               <a:t>Образец текста</a:t>
             </a:r>
           </a:p>
@@ -4566,7 +4566,7 @@
           <a:p>
             <a:fld id="{BFB7CA02-AF0F-4C7C-B1C7-21AF16077814}" type="datetimeFigureOut">
               <a:rPr lang="ru-RU" smtClean="0"/>
-              <a:t>12.02.2021</a:t>
+              <a:t>09.03.2021</a:t>
             </a:fld>
             <a:endParaRPr lang="ru-RU"/>
           </a:p>
@@ -5205,7 +5205,7 @@
           <a:lstStyle/>
           <a:p>
             <a:r>
-              <a:rPr lang="ru-RU" smtClean="0"/>
+              <a:rPr lang="ru-RU"/>
               <a:t>Образец заголовка</a:t>
             </a:r>
             <a:endParaRPr lang="en-US" dirty="0"/>
@@ -5239,35 +5239,35 @@
           <a:p>
             <a:pPr lvl="0"/>
             <a:r>
-              <a:rPr lang="ru-RU" smtClean="0"/>
+              <a:rPr lang="ru-RU"/>
               <a:t>Образец текста</a:t>
             </a:r>
           </a:p>
           <a:p>
             <a:pPr lvl="1"/>
             <a:r>
-              <a:rPr lang="ru-RU" smtClean="0"/>
+              <a:rPr lang="ru-RU"/>
               <a:t>Второй уровень</a:t>
             </a:r>
           </a:p>
           <a:p>
             <a:pPr lvl="2"/>
             <a:r>
-              <a:rPr lang="ru-RU" smtClean="0"/>
+              <a:rPr lang="ru-RU"/>
               <a:t>Третий уровень</a:t>
             </a:r>
           </a:p>
           <a:p>
             <a:pPr lvl="3"/>
             <a:r>
-              <a:rPr lang="ru-RU" smtClean="0"/>
+              <a:rPr lang="ru-RU"/>
               <a:t>Четвертый уровень</a:t>
             </a:r>
           </a:p>
           <a:p>
             <a:pPr lvl="4"/>
             <a:r>
-              <a:rPr lang="ru-RU" smtClean="0"/>
+              <a:rPr lang="ru-RU"/>
               <a:t>Пятый уровень</a:t>
             </a:r>
             <a:endParaRPr lang="en-US" dirty="0"/>
@@ -5309,7 +5309,7 @@
           <a:p>
             <a:fld id="{BFB7CA02-AF0F-4C7C-B1C7-21AF16077814}" type="datetimeFigureOut">
               <a:rPr lang="ru-RU" smtClean="0"/>
-              <a:t>12.02.2021</a:t>
+              <a:t>09.03.2021</a:t>
             </a:fld>
             <a:endParaRPr lang="ru-RU"/>
           </a:p>
@@ -5849,15 +5849,15 @@
           <a:lstStyle/>
           <a:p>
             <a:r>
-              <a:rPr lang="en-US" dirty="0" smtClean="0"/>
+              <a:rPr lang="en-US" dirty="0"/>
               <a:t>CRAZY</a:t>
             </a:r>
             <a:r>
-              <a:rPr lang="ru-RU" smtClean="0"/>
+              <a:rPr lang="ru-RU"/>
               <a:t> </a:t>
             </a:r>
             <a:r>
-              <a:rPr lang="en-US" smtClean="0"/>
+              <a:rPr lang="en-US"/>
               <a:t>RABBIT</a:t>
             </a:r>
             <a:endParaRPr lang="ru-RU" dirty="0"/>
@@ -5876,7 +5876,7 @@
         </p:nvSpPr>
         <p:spPr>
           <a:xfrm>
-            <a:off x="5162203" y="4050833"/>
+            <a:off x="5162204" y="4394782"/>
             <a:ext cx="4111799" cy="1096899"/>
           </a:xfrm>
         </p:spPr>
@@ -5885,10 +5885,15 @@
           <a:lstStyle/>
           <a:p>
             <a:r>
-              <a:rPr lang="ru-RU" dirty="0" smtClean="0"/>
-              <a:t>Работу выполнили Владимирцева Анастасия и Лебеденко Алёна</a:t>
-            </a:r>
-            <a:endParaRPr lang="ru-RU" dirty="0"/>
+              <a:rPr lang="ru-RU" dirty="0"/>
+              <a:t>Разработчики: </a:t>
+            </a:r>
+          </a:p>
+          <a:p>
+            <a:r>
+              <a:rPr lang="ru-RU" dirty="0"/>
+              <a:t>Владимирцева Анастасия, Лебеденко Алёна</a:t>
+            </a:r>
           </a:p>
         </p:txBody>
       </p:sp>
@@ -5945,10 +5950,9 @@
           <a:lstStyle/>
           <a:p>
             <a:r>
-              <a:rPr lang="ru-RU" sz="4400" dirty="0" smtClean="0"/>
-              <a:t>Идея и задачи</a:t>
-            </a:r>
-            <a:endParaRPr lang="ru-RU" sz="4400" dirty="0"/>
+              <a:rPr lang="ru-RU" sz="4400" dirty="0"/>
+              <a:t>Введение</a:t>
+            </a:r>
           </a:p>
         </p:txBody>
       </p:sp>
@@ -5975,14 +5979,17 @@
           <a:lstStyle/>
           <a:p>
             <a:r>
-              <a:rPr lang="en-US" sz="2400" dirty="0" smtClean="0"/>
+              <a:rPr lang="ru-RU" sz="2400" dirty="0"/>
+              <a:t>	</a:t>
+            </a:r>
+            <a:r>
+              <a:rPr lang="en-US" sz="2400" dirty="0"/>
               <a:t>Crazy rabbit –</a:t>
             </a:r>
             <a:r>
-              <a:rPr lang="ru-RU" sz="2400" dirty="0" smtClean="0"/>
-              <a:t> головоломка для детей. Она состоит из 16 различных уровней с различными усложнениями. Из-за разнообразия препятствий ребёнку, проходящему игру, приходится размышлять всесторонне, подстраиваясь под определённый уровень.</a:t>
-            </a:r>
-            <a:endParaRPr lang="ru-RU" sz="2400" dirty="0"/>
+              <a:rPr lang="ru-RU" sz="2400" dirty="0"/>
+              <a:t> головоломка для детей. Она состоит из 16 различных уровней с постоянным увеличением сложности. Из-за разнообразия препятствий ребёнку, проходящему игру, приходится размышлять всесторонне, подстраиваясь под определённый уровень.</a:t>
+            </a:r>
           </a:p>
         </p:txBody>
       </p:sp>
@@ -6028,8 +6035,35 @@
         </p:nvSpPr>
         <p:spPr>
           <a:xfrm>
-            <a:off x="677335" y="-416405"/>
-            <a:ext cx="8596668" cy="1826581"/>
+            <a:off x="677335" y="478172"/>
+            <a:ext cx="8214995" cy="855358"/>
+          </a:xfrm>
+        </p:spPr>
+        <p:txBody>
+          <a:bodyPr/>
+          <a:lstStyle/>
+          <a:p>
+            <a:r>
+              <a:rPr lang="ru-RU" dirty="0"/>
+              <a:t>Структура проекта</a:t>
+            </a:r>
+          </a:p>
+        </p:txBody>
+      </p:sp>
+      <p:sp>
+        <p:nvSpPr>
+          <p:cNvPr id="3" name="Текст 2"/>
+          <p:cNvSpPr>
+            <a:spLocks noGrp="1"/>
+          </p:cNvSpPr>
+          <p:nvPr>
+            <p:ph type="body" idx="1"/>
+          </p:nvPr>
+        </p:nvSpPr>
+        <p:spPr>
+          <a:xfrm>
+            <a:off x="677335" y="1632941"/>
+            <a:ext cx="8524854" cy="4907498"/>
           </a:xfrm>
         </p:spPr>
         <p:txBody>
@@ -6039,48 +6073,36 @@
           <a:lstStyle/>
           <a:p>
             <a:r>
-              <a:rPr lang="ru-RU" sz="4400" dirty="0" smtClean="0"/>
-              <a:t>Используемые технологии</a:t>
-            </a:r>
-            <a:endParaRPr lang="ru-RU" sz="4400" dirty="0"/>
-          </a:p>
-        </p:txBody>
-      </p:sp>
-      <p:sp>
-        <p:nvSpPr>
-          <p:cNvPr id="3" name="Текст 2"/>
-          <p:cNvSpPr>
-            <a:spLocks noGrp="1"/>
-          </p:cNvSpPr>
-          <p:nvPr>
-            <p:ph type="body" idx="1"/>
-          </p:nvPr>
-        </p:nvSpPr>
-        <p:spPr>
-          <a:xfrm>
-            <a:off x="677335" y="1859063"/>
-            <a:ext cx="8292098" cy="2471868"/>
-          </a:xfrm>
-        </p:spPr>
-        <p:txBody>
-          <a:bodyPr>
-            <a:normAutofit/>
-          </a:bodyPr>
-          <a:lstStyle/>
+              <a:rPr lang="ru-RU" dirty="0"/>
+              <a:t>Проект состоит из</a:t>
+            </a:r>
+            <a:r>
+              <a:rPr lang="en-US" dirty="0"/>
+              <a:t> </a:t>
+            </a:r>
+            <a:r>
+              <a:rPr lang="ru-RU" dirty="0"/>
+              <a:t>следующих модулей</a:t>
+            </a:r>
+            <a:r>
+              <a:rPr lang="en-US" dirty="0"/>
+              <a:t>:</a:t>
+            </a:r>
+            <a:endParaRPr lang="ru-RU" dirty="0"/>
+          </a:p>
           <a:p>
             <a:pPr marL="342900" indent="-342900">
               <a:buFont typeface="Wingdings" panose="05000000000000000000" pitchFamily="2" charset="2"/>
               <a:buChar char="Ø"/>
             </a:pPr>
             <a:r>
-              <a:rPr lang="en-US" sz="2400" dirty="0" err="1" smtClean="0"/>
-              <a:t>Q</a:t>
-            </a:r>
-            <a:r>
-              <a:rPr lang="en-US" sz="2400" dirty="0" err="1" smtClean="0"/>
-              <a:t>t</a:t>
-            </a:r>
-            <a:endParaRPr lang="ru-RU" sz="2400" dirty="0"/>
+              <a:rPr lang="en-US" dirty="0"/>
+              <a:t>main.py (</a:t>
+            </a:r>
+            <a:r>
+              <a:rPr lang="ru-RU" dirty="0"/>
+              <a:t>основной игровой цикл + объединение других файлов)</a:t>
+            </a:r>
           </a:p>
           <a:p>
             <a:pPr marL="342900" indent="-342900">
@@ -6088,8 +6110,12 @@
               <a:buChar char="Ø"/>
             </a:pPr>
             <a:r>
-              <a:rPr lang="ru-RU" sz="2400" dirty="0" smtClean="0"/>
-              <a:t>Анимация спрайтов</a:t>
+              <a:rPr lang="en-US" dirty="0"/>
+              <a:t>variables.py (</a:t>
+            </a:r>
+            <a:r>
+              <a:rPr lang="ru-RU" dirty="0"/>
+              <a:t>файл с глобальными переменными, классами спрайтов, функциями, необходимыми для работы классов и создания переменных</a:t>
             </a:r>
           </a:p>
           <a:p>
@@ -6098,8 +6124,12 @@
               <a:buChar char="Ø"/>
             </a:pPr>
             <a:r>
-              <a:rPr lang="ru-RU" sz="2400" dirty="0" smtClean="0"/>
-              <a:t>Взаимодействия групп спрайтов</a:t>
+              <a:rPr lang="en-US" dirty="0"/>
+              <a:t>functions.py (</a:t>
+            </a:r>
+            <a:r>
+              <a:rPr lang="ru-RU" dirty="0"/>
+              <a:t>независимые функции)</a:t>
             </a:r>
           </a:p>
           <a:p>
@@ -6108,35 +6138,34 @@
               <a:buChar char="Ø"/>
             </a:pPr>
             <a:r>
-              <a:rPr lang="ru-RU" sz="2400" dirty="0" smtClean="0"/>
-              <a:t>Музыкальное и звуковое сопровождение</a:t>
-            </a:r>
-          </a:p>
-          <a:p>
-            <a:pPr marL="342900" indent="-342900">
-              <a:buFont typeface="Wingdings" panose="05000000000000000000" pitchFamily="2" charset="2"/>
-              <a:buChar char="Ø"/>
-            </a:pPr>
-            <a:r>
-              <a:rPr lang="ru-RU" sz="2400" dirty="0" smtClean="0"/>
-              <a:t>Различные возможности библиотеки «</a:t>
-            </a:r>
-            <a:r>
-              <a:rPr lang="en-US" sz="2400" dirty="0" err="1" smtClean="0"/>
-              <a:t>pygame</a:t>
-            </a:r>
-            <a:r>
-              <a:rPr lang="ru-RU" sz="2400" dirty="0" smtClean="0"/>
-              <a:t>»</a:t>
-            </a:r>
-            <a:endParaRPr lang="ru-RU" sz="2400" dirty="0"/>
+              <a:rPr lang="en-US" dirty="0"/>
+              <a:t>level.py (Qt-</a:t>
+            </a:r>
+            <a:r>
+              <a:rPr lang="ru-RU" dirty="0"/>
+              <a:t>окно, выбор желаемого уровня)</a:t>
+            </a:r>
+          </a:p>
+          <a:p>
+            <a:r>
+              <a:rPr lang="ru-RU" dirty="0"/>
+              <a:t>	Также в проект входит директория «</a:t>
+            </a:r>
+            <a:r>
+              <a:rPr lang="en-US" dirty="0"/>
+              <a:t>data</a:t>
+            </a:r>
+            <a:r>
+              <a:rPr lang="ru-RU" dirty="0"/>
+              <a:t>», содержащая музыку и звуки, изображения спрайтов, кодировки уровней. В качестве независимых файлов представлен файл, записывающий максимальный пройденный уровень, интерфейс окна выбора уровня, изображение, используемое для фона кнопок.</a:t>
+            </a:r>
           </a:p>
         </p:txBody>
       </p:sp>
     </p:spTree>
     <p:extLst>
       <p:ext uri="{BB962C8B-B14F-4D97-AF65-F5344CB8AC3E}">
-        <p14:creationId xmlns:p14="http://schemas.microsoft.com/office/powerpoint/2010/main" val="3171695129"/>
+        <p14:creationId xmlns:p14="http://schemas.microsoft.com/office/powerpoint/2010/main" val="2893066214"/>
       </p:ext>
     </p:extLst>
   </p:cSld>
@@ -6175,19 +6204,20 @@
         </p:nvSpPr>
         <p:spPr>
           <a:xfrm>
-            <a:off x="677335" y="-291715"/>
+            <a:off x="677335" y="-416405"/>
             <a:ext cx="8596668" cy="1826581"/>
           </a:xfrm>
         </p:spPr>
         <p:txBody>
-          <a:bodyPr/>
-          <a:lstStyle/>
-          <a:p>
-            <a:r>
-              <a:rPr lang="ru-RU" dirty="0" smtClean="0"/>
-              <a:t>Программа состоит из 4 файлов программного кода</a:t>
-            </a:r>
-            <a:endParaRPr lang="ru-RU" dirty="0"/>
+          <a:bodyPr>
+            <a:normAutofit/>
+          </a:bodyPr>
+          <a:lstStyle/>
+          <a:p>
+            <a:r>
+              <a:rPr lang="ru-RU" sz="4400" dirty="0"/>
+              <a:t>Используемые технологии</a:t>
+            </a:r>
           </a:p>
         </p:txBody>
       </p:sp>
@@ -6203,8 +6233,8 @@
         </p:nvSpPr>
         <p:spPr>
           <a:xfrm>
-            <a:off x="677335" y="1817499"/>
-            <a:ext cx="8524854" cy="4907498"/>
+            <a:off x="677335" y="1859063"/>
+            <a:ext cx="8292098" cy="2471868"/>
           </a:xfrm>
         </p:spPr>
         <p:txBody>
@@ -6218,18 +6248,10 @@
               <a:buChar char="Ø"/>
             </a:pPr>
             <a:r>
-              <a:rPr lang="en-US" dirty="0" smtClean="0"/>
-              <a:t>main (</a:t>
-            </a:r>
-            <a:r>
-              <a:rPr lang="ru-RU" dirty="0" smtClean="0"/>
-              <a:t>основной игровой цикл + объединение других </a:t>
-            </a:r>
-            <a:r>
-              <a:rPr lang="ru-RU" dirty="0" smtClean="0"/>
-              <a:t>файлов)</a:t>
-            </a:r>
-            <a:endParaRPr lang="ru-RU" dirty="0" smtClean="0"/>
+              <a:rPr lang="en-US" sz="2400" dirty="0"/>
+              <a:t>PyQt5</a:t>
+            </a:r>
+            <a:endParaRPr lang="ru-RU" sz="2400" dirty="0"/>
           </a:p>
           <a:p>
             <a:pPr marL="342900" indent="-342900">
@@ -6237,16 +6259,8 @@
               <a:buChar char="Ø"/>
             </a:pPr>
             <a:r>
-              <a:rPr lang="en-US" dirty="0"/>
-              <a:t>v</a:t>
-            </a:r>
-            <a:r>
-              <a:rPr lang="en-US" dirty="0" smtClean="0"/>
-              <a:t>ariables (</a:t>
-            </a:r>
-            <a:r>
-              <a:rPr lang="ru-RU" dirty="0" smtClean="0"/>
-              <a:t>файл с глобальными переменными, классами спрайтов, функциями, необходимыми для работы классов и создания переменных</a:t>
+              <a:rPr lang="ru-RU" sz="2400" dirty="0"/>
+              <a:t>Анимация спрайтов</a:t>
             </a:r>
           </a:p>
           <a:p>
@@ -6255,12 +6269,8 @@
               <a:buChar char="Ø"/>
             </a:pPr>
             <a:r>
-              <a:rPr lang="en-US" dirty="0" smtClean="0"/>
-              <a:t>functions (</a:t>
-            </a:r>
-            <a:r>
-              <a:rPr lang="ru-RU" dirty="0" smtClean="0"/>
-              <a:t>независимые функции)</a:t>
+              <a:rPr lang="ru-RU" sz="2400" dirty="0"/>
+              <a:t>Взаимодействия групп спрайтов</a:t>
             </a:r>
           </a:p>
           <a:p>
@@ -6269,47 +6279,34 @@
               <a:buChar char="Ø"/>
             </a:pPr>
             <a:r>
-              <a:rPr lang="en-US" dirty="0"/>
-              <a:t>l</a:t>
-            </a:r>
-            <a:r>
-              <a:rPr lang="en-US" dirty="0" smtClean="0"/>
-              <a:t>evel (</a:t>
-            </a:r>
-            <a:r>
-              <a:rPr lang="en-US" dirty="0" err="1" smtClean="0"/>
-              <a:t>Qt</a:t>
-            </a:r>
-            <a:r>
-              <a:rPr lang="en-US" dirty="0" smtClean="0"/>
-              <a:t>-</a:t>
-            </a:r>
-            <a:r>
-              <a:rPr lang="ru-RU" dirty="0" smtClean="0"/>
-              <a:t>окно, выбор желаемого уровня)</a:t>
-            </a:r>
-          </a:p>
-          <a:p>
-            <a:r>
-              <a:rPr lang="ru-RU" dirty="0" smtClean="0"/>
-              <a:t>Также в проект входит директория «</a:t>
-            </a:r>
-            <a:r>
-              <a:rPr lang="en-US" dirty="0" smtClean="0"/>
-              <a:t>data</a:t>
-            </a:r>
-            <a:r>
-              <a:rPr lang="ru-RU" dirty="0" smtClean="0"/>
-              <a:t>», содержащая музыку и звуки, изображения спрайтов, кодировки уровней. В качестве независимых файлов представлен файл, записывающий максимальный пройденный уровень, интерфейс окна выбора уровня, изображение, используемое для фона кнопок.</a:t>
-            </a:r>
-            <a:endParaRPr lang="ru-RU" dirty="0"/>
+              <a:rPr lang="ru-RU" sz="2400" dirty="0"/>
+              <a:t>Музыкальное и звуковое сопровождение</a:t>
+            </a:r>
+          </a:p>
+          <a:p>
+            <a:pPr marL="342900" indent="-342900">
+              <a:buFont typeface="Wingdings" panose="05000000000000000000" pitchFamily="2" charset="2"/>
+              <a:buChar char="Ø"/>
+            </a:pPr>
+            <a:r>
+              <a:rPr lang="ru-RU" sz="2400" dirty="0"/>
+              <a:t>Различные возможности библиотеки «</a:t>
+            </a:r>
+            <a:r>
+              <a:rPr lang="en-US" sz="2400" dirty="0" err="1"/>
+              <a:t>Pygame</a:t>
+            </a:r>
+            <a:r>
+              <a:rPr lang="ru-RU" sz="2400" dirty="0"/>
+              <a:t>»</a:t>
+            </a:r>
           </a:p>
         </p:txBody>
       </p:sp>
     </p:spTree>
     <p:extLst>
       <p:ext uri="{BB962C8B-B14F-4D97-AF65-F5344CB8AC3E}">
-        <p14:creationId xmlns:p14="http://schemas.microsoft.com/office/powerpoint/2010/main" val="2893066214"/>
+        <p14:creationId xmlns:p14="http://schemas.microsoft.com/office/powerpoint/2010/main" val="3171695129"/>
       </p:ext>
     </p:extLst>
   </p:cSld>
@@ -6359,10 +6356,9 @@
           <a:lstStyle/>
           <a:p>
             <a:r>
-              <a:rPr lang="ru-RU" sz="4400" dirty="0" smtClean="0"/>
-              <a:t>Перспективы</a:t>
-            </a:r>
-            <a:endParaRPr lang="ru-RU" sz="4400" dirty="0"/>
+              <a:rPr lang="ru-RU" sz="4400" dirty="0"/>
+              <a:t>Заключение</a:t>
+            </a:r>
           </a:p>
         </p:txBody>
       </p:sp>
@@ -6378,22 +6374,69 @@
         </p:nvSpPr>
         <p:spPr>
           <a:xfrm>
-            <a:off x="677335" y="2017005"/>
-            <a:ext cx="8732672" cy="2812690"/>
+            <a:off x="771787" y="1845579"/>
+            <a:ext cx="8917497" cy="3909270"/>
           </a:xfrm>
         </p:spPr>
         <p:txBody>
           <a:bodyPr>
-            <a:normAutofit/>
+            <a:normAutofit fontScale="92500" lnSpcReduction="20000"/>
           </a:bodyPr>
           <a:lstStyle/>
+          <a:p>
+            <a:r>
+              <a:rPr lang="ru-RU" sz="2400" dirty="0"/>
+              <a:t>	В ходе работы над проектом были изучены дополнительные возможности, предоставляемые библиотеками «</a:t>
+            </a:r>
+            <a:r>
+              <a:rPr lang="en-US" sz="2400" dirty="0" err="1"/>
+              <a:t>PyGame</a:t>
+            </a:r>
+            <a:r>
+              <a:rPr lang="ru-RU" sz="2400" dirty="0"/>
+              <a:t>»</a:t>
+            </a:r>
+            <a:r>
+              <a:rPr lang="en-US" sz="2400" dirty="0"/>
+              <a:t> </a:t>
+            </a:r>
+            <a:r>
+              <a:rPr lang="ru-RU" sz="2400" dirty="0"/>
+              <a:t>и «</a:t>
+            </a:r>
+            <a:r>
+              <a:rPr lang="en-US" sz="2400" dirty="0"/>
+              <a:t>PyQt5</a:t>
+            </a:r>
+            <a:r>
+              <a:rPr lang="ru-RU" sz="2400" dirty="0"/>
+              <a:t>»</a:t>
+            </a:r>
+          </a:p>
+          <a:p>
+            <a:endParaRPr lang="ru-RU" sz="2400" dirty="0">
+              <a:solidFill>
+                <a:srgbClr val="92D050"/>
+              </a:solidFill>
+            </a:endParaRPr>
+          </a:p>
+          <a:p>
+            <a:r>
+              <a:rPr lang="ru-RU" sz="3200" dirty="0">
+                <a:solidFill>
+                  <a:srgbClr val="90C226"/>
+                </a:solidFill>
+              </a:rPr>
+              <a:t>Перспективы развития:</a:t>
+            </a:r>
+          </a:p>
           <a:p>
             <a:pPr marL="342900" indent="-342900">
               <a:buFont typeface="Wingdings" panose="05000000000000000000" pitchFamily="2" charset="2"/>
               <a:buChar char="Ø"/>
             </a:pPr>
             <a:r>
-              <a:rPr lang="ru-RU" sz="2400" dirty="0" smtClean="0"/>
+              <a:rPr lang="ru-RU" sz="2400" dirty="0"/>
               <a:t>Добавление новых уровней</a:t>
             </a:r>
           </a:p>
@@ -6403,7 +6446,7 @@
               <a:buChar char="Ø"/>
             </a:pPr>
             <a:r>
-              <a:rPr lang="ru-RU" sz="2400" dirty="0" smtClean="0"/>
+              <a:rPr lang="ru-RU" sz="2400" dirty="0"/>
               <a:t>Усложнение головоломок для расширения аудитории</a:t>
             </a:r>
           </a:p>
@@ -6413,7 +6456,7 @@
               <a:buChar char="Ø"/>
             </a:pPr>
             <a:r>
-              <a:rPr lang="ru-RU" sz="2400" dirty="0" smtClean="0"/>
+              <a:rPr lang="ru-RU" sz="2400" dirty="0"/>
               <a:t>Улучшение графики</a:t>
             </a:r>
           </a:p>
@@ -6423,17 +6466,29 @@
               <a:buChar char="Ø"/>
             </a:pPr>
             <a:r>
-              <a:rPr lang="ru-RU" sz="2400" dirty="0" smtClean="0"/>
+              <a:rPr lang="ru-RU" sz="2400" dirty="0"/>
               <a:t>Добавление различных видов анимации дополнительно</a:t>
             </a:r>
-            <a:endParaRPr lang="ru-RU" sz="2400" dirty="0" smtClean="0"/>
+          </a:p>
+          <a:p>
+            <a:pPr marL="342900" indent="-342900">
+              <a:buFont typeface="Wingdings" panose="05000000000000000000" pitchFamily="2" charset="2"/>
+              <a:buChar char="Ø"/>
+            </a:pPr>
+            <a:r>
+              <a:rPr lang="ru-RU" sz="2400" dirty="0"/>
+              <a:t>Усовершенствование архитектуры проекта</a:t>
+            </a:r>
+          </a:p>
+          <a:p>
+            <a:endParaRPr lang="ru-RU" sz="2400" dirty="0"/>
           </a:p>
         </p:txBody>
       </p:sp>
     </p:spTree>
     <p:extLst>
       <p:ext uri="{BB962C8B-B14F-4D97-AF65-F5344CB8AC3E}">
-        <p14:creationId xmlns:p14="http://schemas.microsoft.com/office/powerpoint/2010/main" val="2368385610"/>
+        <p14:creationId xmlns:p14="http://schemas.microsoft.com/office/powerpoint/2010/main" val="708061588"/>
       </p:ext>
     </p:extLst>
   </p:cSld>
